--- a/tutorial/Introduction of gogolib.pptx
+++ b/tutorial/Introduction of gogolib.pptx
@@ -9,9 +9,12 @@
     <p:sldId id="258" r:id="rId3"/>
     <p:sldId id="257" r:id="rId4"/>
     <p:sldId id="261" r:id="rId5"/>
-    <p:sldId id="262" r:id="rId6"/>
-    <p:sldId id="259" r:id="rId7"/>
-    <p:sldId id="260" r:id="rId8"/>
+    <p:sldId id="267" r:id="rId6"/>
+    <p:sldId id="264" r:id="rId7"/>
+    <p:sldId id="259" r:id="rId8"/>
+    <p:sldId id="260" r:id="rId9"/>
+    <p:sldId id="266" r:id="rId10"/>
+    <p:sldId id="263" r:id="rId11"/>
   </p:sldIdLst>
   <p:sldSz cx="9144000" cy="6858000" type="screen4x3"/>
   <p:notesSz cx="6858000" cy="9144000"/>
@@ -295,7 +298,7 @@
             <a:fld id="{1D8BD707-D9CF-40AE-B4C6-C98DA3205C09}" type="datetimeFigureOut">
               <a:rPr lang="en-US" smtClean="0"/>
               <a:pPr/>
-              <a:t>7/21/2011</a:t>
+              <a:t>8/4/2011</a:t>
             </a:fld>
             <a:endParaRPr lang="en-US"/>
           </a:p>
@@ -462,7 +465,7 @@
             <a:fld id="{1D8BD707-D9CF-40AE-B4C6-C98DA3205C09}" type="datetimeFigureOut">
               <a:rPr lang="en-US" smtClean="0"/>
               <a:pPr/>
-              <a:t>7/21/2011</a:t>
+              <a:t>8/4/2011</a:t>
             </a:fld>
             <a:endParaRPr lang="en-US"/>
           </a:p>
@@ -639,7 +642,7 @@
             <a:fld id="{1D8BD707-D9CF-40AE-B4C6-C98DA3205C09}" type="datetimeFigureOut">
               <a:rPr lang="en-US" smtClean="0"/>
               <a:pPr/>
-              <a:t>7/21/2011</a:t>
+              <a:t>8/4/2011</a:t>
             </a:fld>
             <a:endParaRPr lang="en-US"/>
           </a:p>
@@ -806,7 +809,7 @@
             <a:fld id="{1D8BD707-D9CF-40AE-B4C6-C98DA3205C09}" type="datetimeFigureOut">
               <a:rPr lang="en-US" smtClean="0"/>
               <a:pPr/>
-              <a:t>7/21/2011</a:t>
+              <a:t>8/4/2011</a:t>
             </a:fld>
             <a:endParaRPr lang="en-US"/>
           </a:p>
@@ -1049,7 +1052,7 @@
             <a:fld id="{1D8BD707-D9CF-40AE-B4C6-C98DA3205C09}" type="datetimeFigureOut">
               <a:rPr lang="en-US" smtClean="0"/>
               <a:pPr/>
-              <a:t>7/21/2011</a:t>
+              <a:t>8/4/2011</a:t>
             </a:fld>
             <a:endParaRPr lang="en-US"/>
           </a:p>
@@ -1334,7 +1337,7 @@
             <a:fld id="{1D8BD707-D9CF-40AE-B4C6-C98DA3205C09}" type="datetimeFigureOut">
               <a:rPr lang="en-US" smtClean="0"/>
               <a:pPr/>
-              <a:t>7/21/2011</a:t>
+              <a:t>8/4/2011</a:t>
             </a:fld>
             <a:endParaRPr lang="en-US"/>
           </a:p>
@@ -1753,7 +1756,7 @@
             <a:fld id="{1D8BD707-D9CF-40AE-B4C6-C98DA3205C09}" type="datetimeFigureOut">
               <a:rPr lang="en-US" smtClean="0"/>
               <a:pPr/>
-              <a:t>7/21/2011</a:t>
+              <a:t>8/4/2011</a:t>
             </a:fld>
             <a:endParaRPr lang="en-US"/>
           </a:p>
@@ -1868,7 +1871,7 @@
             <a:fld id="{1D8BD707-D9CF-40AE-B4C6-C98DA3205C09}" type="datetimeFigureOut">
               <a:rPr lang="en-US" smtClean="0"/>
               <a:pPr/>
-              <a:t>7/21/2011</a:t>
+              <a:t>8/4/2011</a:t>
             </a:fld>
             <a:endParaRPr lang="en-US"/>
           </a:p>
@@ -1960,7 +1963,7 @@
             <a:fld id="{1D8BD707-D9CF-40AE-B4C6-C98DA3205C09}" type="datetimeFigureOut">
               <a:rPr lang="en-US" smtClean="0"/>
               <a:pPr/>
-              <a:t>7/21/2011</a:t>
+              <a:t>8/4/2011</a:t>
             </a:fld>
             <a:endParaRPr lang="en-US"/>
           </a:p>
@@ -2234,7 +2237,7 @@
             <a:fld id="{1D8BD707-D9CF-40AE-B4C6-C98DA3205C09}" type="datetimeFigureOut">
               <a:rPr lang="en-US" smtClean="0"/>
               <a:pPr/>
-              <a:t>7/21/2011</a:t>
+              <a:t>8/4/2011</a:t>
             </a:fld>
             <a:endParaRPr lang="en-US"/>
           </a:p>
@@ -2484,7 +2487,7 @@
             <a:fld id="{1D8BD707-D9CF-40AE-B4C6-C98DA3205C09}" type="datetimeFigureOut">
               <a:rPr lang="en-US" smtClean="0"/>
               <a:pPr/>
-              <a:t>7/21/2011</a:t>
+              <a:t>8/4/2011</a:t>
             </a:fld>
             <a:endParaRPr lang="en-US"/>
           </a:p>
@@ -2694,7 +2697,7 @@
             <a:fld id="{1D8BD707-D9CF-40AE-B4C6-C98DA3205C09}" type="datetimeFigureOut">
               <a:rPr lang="en-US" smtClean="0"/>
               <a:pPr/>
-              <a:t>7/21/2011</a:t>
+              <a:t>8/4/2011</a:t>
             </a:fld>
             <a:endParaRPr lang="en-US"/>
           </a:p>
@@ -3134,6 +3137,210 @@
 </p:sld>
 </file>
 
+<file path=ppt/slides/slide10.xml><?xml version="1.0" encoding="utf-8"?>
+<p:sld xmlns:a="http://schemas.openxmlformats.org/drawingml/2006/main" xmlns:r="http://schemas.openxmlformats.org/officeDocument/2006/relationships" xmlns:p="http://schemas.openxmlformats.org/presentationml/2006/main">
+  <p:cSld>
+    <p:spTree>
+      <p:nvGrpSpPr>
+        <p:cNvPr id="1" name=""/>
+        <p:cNvGrpSpPr/>
+        <p:nvPr/>
+      </p:nvGrpSpPr>
+      <p:grpSpPr>
+        <a:xfrm>
+          <a:off x="0" y="0"/>
+          <a:ext cx="0" cy="0"/>
+          <a:chOff x="0" y="0"/>
+          <a:chExt cx="0" cy="0"/>
+        </a:xfrm>
+      </p:grpSpPr>
+      <p:sp>
+        <p:nvSpPr>
+          <p:cNvPr id="2" name="Title 1"/>
+          <p:cNvSpPr>
+            <a:spLocks noGrp="1"/>
+          </p:cNvSpPr>
+          <p:nvPr>
+            <p:ph type="title"/>
+          </p:nvPr>
+        </p:nvSpPr>
+        <p:spPr/>
+        <p:txBody>
+          <a:bodyPr/>
+          <a:lstStyle/>
+          <a:p>
+            <a:pPr algn="l"/>
+            <a:r>
+              <a:rPr lang="en-US" dirty="0" err="1" smtClean="0"/>
+              <a:t>GoGoMonitor</a:t>
+            </a:r>
+            <a:r>
+              <a:rPr lang="en-US" dirty="0" smtClean="0"/>
+              <a:t> class</a:t>
+            </a:r>
+            <a:endParaRPr lang="en-US" dirty="0"/>
+          </a:p>
+        </p:txBody>
+      </p:sp>
+      <p:sp>
+        <p:nvSpPr>
+          <p:cNvPr id="5" name="Content Placeholder 4"/>
+          <p:cNvSpPr>
+            <a:spLocks noGrp="1"/>
+          </p:cNvSpPr>
+          <p:nvPr>
+            <p:ph idx="1"/>
+          </p:nvPr>
+        </p:nvSpPr>
+        <p:spPr/>
+        <p:txBody>
+          <a:bodyPr/>
+          <a:lstStyle/>
+          <a:p>
+            <a:r>
+              <a:rPr lang="en-US" dirty="0" smtClean="0"/>
+              <a:t>PING COMMAND</a:t>
+            </a:r>
+            <a:endParaRPr lang="en-US" dirty="0"/>
+          </a:p>
+        </p:txBody>
+      </p:sp>
+      <p:pic>
+        <p:nvPicPr>
+          <p:cNvPr id="1027" name="Picture 3"/>
+          <p:cNvPicPr>
+            <a:picLocks noChangeAspect="1" noChangeArrowheads="1"/>
+          </p:cNvPicPr>
+          <p:nvPr/>
+        </p:nvPicPr>
+        <p:blipFill>
+          <a:blip r:embed="rId2" cstate="print"/>
+          <a:srcRect/>
+          <a:stretch>
+            <a:fillRect/>
+          </a:stretch>
+        </p:blipFill>
+        <p:spPr bwMode="auto">
+          <a:xfrm>
+            <a:off x="4953000" y="2209800"/>
+            <a:ext cx="3643993" cy="1962150"/>
+          </a:xfrm>
+          <a:prstGeom prst="rect">
+            <a:avLst/>
+          </a:prstGeom>
+          <a:noFill/>
+          <a:ln w="9525">
+            <a:noFill/>
+            <a:miter lim="800000"/>
+            <a:headEnd/>
+            <a:tailEnd/>
+          </a:ln>
+        </p:spPr>
+      </p:pic>
+      <p:pic>
+        <p:nvPicPr>
+          <p:cNvPr id="1028" name="Picture 4"/>
+          <p:cNvPicPr>
+            <a:picLocks noChangeAspect="1" noChangeArrowheads="1"/>
+          </p:cNvPicPr>
+          <p:nvPr/>
+        </p:nvPicPr>
+        <p:blipFill>
+          <a:blip r:embed="rId3" cstate="print"/>
+          <a:srcRect b="61118"/>
+          <a:stretch>
+            <a:fillRect/>
+          </a:stretch>
+        </p:blipFill>
+        <p:spPr bwMode="auto">
+          <a:xfrm>
+            <a:off x="457200" y="2286000"/>
+            <a:ext cx="4311492" cy="1676400"/>
+          </a:xfrm>
+          <a:prstGeom prst="rect">
+            <a:avLst/>
+          </a:prstGeom>
+          <a:noFill/>
+          <a:ln w="9525">
+            <a:noFill/>
+            <a:miter lim="800000"/>
+            <a:headEnd/>
+            <a:tailEnd/>
+          </a:ln>
+        </p:spPr>
+      </p:pic>
+      <p:pic>
+        <p:nvPicPr>
+          <p:cNvPr id="1029" name="Picture 5"/>
+          <p:cNvPicPr>
+            <a:picLocks noChangeAspect="1" noChangeArrowheads="1"/>
+          </p:cNvPicPr>
+          <p:nvPr/>
+        </p:nvPicPr>
+        <p:blipFill>
+          <a:blip r:embed="rId4" cstate="print"/>
+          <a:srcRect/>
+          <a:stretch>
+            <a:fillRect/>
+          </a:stretch>
+        </p:blipFill>
+        <p:spPr bwMode="auto">
+          <a:xfrm>
+            <a:off x="4953000" y="4495800"/>
+            <a:ext cx="3657600" cy="1969477"/>
+          </a:xfrm>
+          <a:prstGeom prst="rect">
+            <a:avLst/>
+          </a:prstGeom>
+          <a:noFill/>
+          <a:ln w="9525">
+            <a:noFill/>
+            <a:miter lim="800000"/>
+            <a:headEnd/>
+            <a:tailEnd/>
+          </a:ln>
+        </p:spPr>
+      </p:pic>
+      <p:pic>
+        <p:nvPicPr>
+          <p:cNvPr id="1030" name="Picture 6"/>
+          <p:cNvPicPr>
+            <a:picLocks noChangeAspect="1" noChangeArrowheads="1"/>
+          </p:cNvPicPr>
+          <p:nvPr/>
+        </p:nvPicPr>
+        <p:blipFill>
+          <a:blip r:embed="rId5" cstate="print"/>
+          <a:srcRect b="57607"/>
+          <a:stretch>
+            <a:fillRect/>
+          </a:stretch>
+        </p:blipFill>
+        <p:spPr bwMode="auto">
+          <a:xfrm>
+            <a:off x="457200" y="4495800"/>
+            <a:ext cx="4313919" cy="1828800"/>
+          </a:xfrm>
+          <a:prstGeom prst="rect">
+            <a:avLst/>
+          </a:prstGeom>
+          <a:noFill/>
+          <a:ln w="9525">
+            <a:noFill/>
+            <a:miter lim="800000"/>
+            <a:headEnd/>
+            <a:tailEnd/>
+          </a:ln>
+        </p:spPr>
+      </p:pic>
+    </p:spTree>
+  </p:cSld>
+  <p:clrMapOvr>
+    <a:masterClrMapping/>
+  </p:clrMapOvr>
+</p:sld>
+</file>
+
 <file path=ppt/slides/slide2.xml><?xml version="1.0" encoding="utf-8"?>
 <p:sld xmlns:a="http://schemas.openxmlformats.org/drawingml/2006/main" xmlns:r="http://schemas.openxmlformats.org/officeDocument/2006/relationships" xmlns:p="http://schemas.openxmlformats.org/presentationml/2006/main">
   <p:cSld>
@@ -3871,13 +4078,7 @@
               <a:rPr lang="en-US" dirty="0" smtClean="0">
                 <a:hlinkClick r:id="rId2"/>
               </a:rPr>
-              <a:t>http://code.google.com/p/gogolib4java</a:t>
-            </a:r>
-            <a:r>
-              <a:rPr lang="en-US" dirty="0" smtClean="0">
-                <a:hlinkClick r:id="rId2"/>
-              </a:rPr>
-              <a:t>/</a:t>
+              <a:t>http://code.google.com/p/gogolib4java/</a:t>
             </a:r>
             <a:endParaRPr lang="en-US" dirty="0" smtClean="0"/>
           </a:p>
@@ -3887,53 +4088,280 @@
               <a:t>Java API to work with GoGo Board.</a:t>
             </a:r>
           </a:p>
-          <a:p>
-            <a:r>
-              <a:rPr lang="en-US" dirty="0" smtClean="0"/>
-              <a:t>Currently it can only communicate with </a:t>
-            </a:r>
-            <a:r>
-              <a:rPr lang="en-US" dirty="0" smtClean="0"/>
-              <a:t>GoGo </a:t>
-            </a:r>
-            <a:r>
-              <a:rPr lang="en-US" dirty="0" smtClean="0"/>
-              <a:t>Server </a:t>
-            </a:r>
-            <a:r>
-              <a:rPr lang="en-US" dirty="0" smtClean="0"/>
-              <a:t>embedded </a:t>
-            </a:r>
-            <a:r>
-              <a:rPr lang="en-US" dirty="0" smtClean="0"/>
-              <a:t>in </a:t>
-            </a:r>
-            <a:r>
-              <a:rPr lang="en-US" dirty="0" smtClean="0"/>
-              <a:t>GoGo </a:t>
-            </a:r>
-            <a:r>
-              <a:rPr lang="en-US" dirty="0" smtClean="0"/>
-              <a:t>Monitor through socket. </a:t>
-            </a:r>
-            <a:endParaRPr lang="en-US" dirty="0" smtClean="0"/>
-          </a:p>
-          <a:p>
-            <a:r>
-              <a:rPr lang="en-US" dirty="0" smtClean="0"/>
-              <a:t>It </a:t>
-            </a:r>
-            <a:r>
-              <a:rPr lang="en-US" dirty="0" smtClean="0"/>
-              <a:t>CANNOT directly control the local connected </a:t>
-            </a:r>
-            <a:r>
-              <a:rPr lang="en-US" dirty="0" smtClean="0"/>
-              <a:t>GoGo  </a:t>
-            </a:r>
-            <a:r>
-              <a:rPr lang="en-US" dirty="0" smtClean="0"/>
-              <a:t>Board</a:t>
+        </p:txBody>
+      </p:sp>
+      <p:grpSp>
+        <p:nvGrpSpPr>
+          <p:cNvPr id="10" name="Group 9"/>
+          <p:cNvGrpSpPr/>
+          <p:nvPr/>
+        </p:nvGrpSpPr>
+        <p:grpSpPr>
+          <a:xfrm>
+            <a:off x="1981200" y="3048000"/>
+            <a:ext cx="5181600" cy="3276600"/>
+            <a:chOff x="838200" y="1143000"/>
+            <a:chExt cx="7573963" cy="4634254"/>
+          </a:xfrm>
+        </p:grpSpPr>
+        <p:pic>
+          <p:nvPicPr>
+            <p:cNvPr id="4" name="Picture 1"/>
+            <p:cNvPicPr>
+              <a:picLocks noChangeAspect="1" noChangeArrowheads="1"/>
+            </p:cNvPicPr>
+            <p:nvPr/>
+          </p:nvPicPr>
+          <p:blipFill>
+            <a:blip r:embed="rId3" cstate="print"/>
+            <a:srcRect/>
+            <a:stretch>
+              <a:fillRect/>
+            </a:stretch>
+          </p:blipFill>
+          <p:spPr bwMode="auto">
+            <a:xfrm>
+              <a:off x="838200" y="1981200"/>
+              <a:ext cx="2562225" cy="1600200"/>
+            </a:xfrm>
+            <a:prstGeom prst="rect">
+              <a:avLst/>
+            </a:prstGeom>
+            <a:noFill/>
+            <a:ln w="9525">
+              <a:noFill/>
+              <a:miter lim="800000"/>
+              <a:headEnd/>
+              <a:tailEnd/>
+            </a:ln>
+          </p:spPr>
+        </p:pic>
+        <p:pic>
+          <p:nvPicPr>
+            <p:cNvPr id="5" name="Picture 2" descr="C:\Documents and Settings\xiong\바탕 화면\GoGo%20Monitor%203.4.4\Gogo-splash-screen.jpg"/>
+            <p:cNvPicPr>
+              <a:picLocks noChangeAspect="1" noChangeArrowheads="1"/>
+            </p:cNvPicPr>
+            <p:nvPr/>
+          </p:nvPicPr>
+          <p:blipFill>
+            <a:blip r:embed="rId4" cstate="print"/>
+            <a:srcRect/>
+            <a:stretch>
+              <a:fillRect/>
+            </a:stretch>
+          </p:blipFill>
+          <p:spPr bwMode="auto">
+            <a:xfrm>
+              <a:off x="5486400" y="1143000"/>
+              <a:ext cx="2925763" cy="2597150"/>
+            </a:xfrm>
+            <a:prstGeom prst="rect">
+              <a:avLst/>
+            </a:prstGeom>
+            <a:noFill/>
+          </p:spPr>
+        </p:pic>
+        <p:sp>
+          <p:nvSpPr>
+            <p:cNvPr id="6" name="Left-Right Arrow 5"/>
+            <p:cNvSpPr/>
+            <p:nvPr/>
+          </p:nvSpPr>
+          <p:spPr>
+            <a:xfrm>
+              <a:off x="3429000" y="2286000"/>
+              <a:ext cx="1447800" cy="533400"/>
+            </a:xfrm>
+            <a:prstGeom prst="leftRightArrow">
+              <a:avLst/>
+            </a:prstGeom>
+          </p:spPr>
+          <p:style>
+            <a:lnRef idx="0">
+              <a:schemeClr val="accent6"/>
+            </a:lnRef>
+            <a:fillRef idx="3">
+              <a:schemeClr val="accent6"/>
+            </a:fillRef>
+            <a:effectRef idx="3">
+              <a:schemeClr val="accent6"/>
+            </a:effectRef>
+            <a:fontRef idx="minor">
+              <a:schemeClr val="lt1"/>
+            </a:fontRef>
+          </p:style>
+          <p:txBody>
+            <a:bodyPr rtlCol="0" anchor="ctr"/>
+            <a:lstStyle/>
+            <a:p>
+              <a:pPr algn="ctr"/>
+              <a:endParaRPr lang="en-US"/>
+            </a:p>
+          </p:txBody>
+        </p:sp>
+        <p:pic>
+          <p:nvPicPr>
+            <p:cNvPr id="7" name="Picture 3"/>
+            <p:cNvPicPr>
+              <a:picLocks noChangeAspect="1" noChangeArrowheads="1"/>
+            </p:cNvPicPr>
+            <p:nvPr/>
+          </p:nvPicPr>
+          <p:blipFill>
+            <a:blip r:embed="rId5" cstate="print"/>
+            <a:srcRect/>
+            <a:stretch>
+              <a:fillRect/>
+            </a:stretch>
+          </p:blipFill>
+          <p:spPr bwMode="auto">
+            <a:xfrm>
+              <a:off x="3429000" y="4114800"/>
+              <a:ext cx="1905000" cy="1662454"/>
+            </a:xfrm>
+            <a:prstGeom prst="rect">
+              <a:avLst/>
+            </a:prstGeom>
+            <a:noFill/>
+            <a:ln w="9525">
+              <a:noFill/>
+              <a:miter lim="800000"/>
+              <a:headEnd/>
+              <a:tailEnd/>
+            </a:ln>
+          </p:spPr>
+        </p:pic>
+        <p:sp>
+          <p:nvSpPr>
+            <p:cNvPr id="8" name="Left-Right Arrow 7"/>
+            <p:cNvSpPr/>
+            <p:nvPr/>
+          </p:nvSpPr>
+          <p:spPr>
+            <a:xfrm rot="1951363">
+              <a:off x="1782463" y="3852568"/>
+              <a:ext cx="1447800" cy="533400"/>
+            </a:xfrm>
+            <a:prstGeom prst="leftRightArrow">
+              <a:avLst/>
+            </a:prstGeom>
+          </p:spPr>
+          <p:style>
+            <a:lnRef idx="0">
+              <a:schemeClr val="accent4"/>
+            </a:lnRef>
+            <a:fillRef idx="3">
+              <a:schemeClr val="accent4"/>
+            </a:fillRef>
+            <a:effectRef idx="3">
+              <a:schemeClr val="accent4"/>
+            </a:effectRef>
+            <a:fontRef idx="minor">
+              <a:schemeClr val="lt1"/>
+            </a:fontRef>
+          </p:style>
+          <p:txBody>
+            <a:bodyPr rtlCol="0" anchor="ctr"/>
+            <a:lstStyle/>
+            <a:p>
+              <a:pPr algn="ctr"/>
+              <a:endParaRPr lang="en-US"/>
+            </a:p>
+          </p:txBody>
+        </p:sp>
+        <p:sp>
+          <p:nvSpPr>
+            <p:cNvPr id="9" name="Left-Right Arrow 8"/>
+            <p:cNvSpPr/>
+            <p:nvPr/>
+          </p:nvSpPr>
+          <p:spPr>
+            <a:xfrm rot="18871413">
+              <a:off x="5536446" y="4094024"/>
+              <a:ext cx="1447800" cy="533400"/>
+            </a:xfrm>
+            <a:prstGeom prst="leftRightArrow">
+              <a:avLst/>
+            </a:prstGeom>
+          </p:spPr>
+          <p:style>
+            <a:lnRef idx="0">
+              <a:schemeClr val="accent4"/>
+            </a:lnRef>
+            <a:fillRef idx="3">
+              <a:schemeClr val="accent4"/>
+            </a:fillRef>
+            <a:effectRef idx="3">
+              <a:schemeClr val="accent4"/>
+            </a:effectRef>
+            <a:fontRef idx="minor">
+              <a:schemeClr val="lt1"/>
+            </a:fontRef>
+          </p:style>
+          <p:txBody>
+            <a:bodyPr rtlCol="0" anchor="ctr"/>
+            <a:lstStyle/>
+            <a:p>
+              <a:pPr algn="ctr"/>
+              <a:endParaRPr lang="en-US"/>
+            </a:p>
+          </p:txBody>
+        </p:sp>
+      </p:grpSp>
+      <p:sp>
+        <p:nvSpPr>
+          <p:cNvPr id="11" name="Rectangle 10"/>
+          <p:cNvSpPr/>
+          <p:nvPr/>
+        </p:nvSpPr>
+        <p:spPr>
+          <a:xfrm>
+            <a:off x="2057400" y="5410200"/>
+            <a:ext cx="1261371" cy="369332"/>
+          </a:xfrm>
+          <a:prstGeom prst="rect">
+            <a:avLst/>
+          </a:prstGeom>
+        </p:spPr>
+        <p:txBody>
+          <a:bodyPr wrap="none">
+            <a:spAutoFit/>
+          </a:bodyPr>
+          <a:lstStyle/>
+          <a:p>
+            <a:r>
+              <a:rPr lang="en-US" dirty="0" err="1" smtClean="0"/>
+              <a:t>GoGoClient</a:t>
+            </a:r>
+            <a:endParaRPr lang="en-US" dirty="0"/>
+          </a:p>
+        </p:txBody>
+      </p:sp>
+      <p:sp>
+        <p:nvSpPr>
+          <p:cNvPr id="12" name="Rectangle 11"/>
+          <p:cNvSpPr/>
+          <p:nvPr/>
+        </p:nvSpPr>
+        <p:spPr>
+          <a:xfrm>
+            <a:off x="3505200" y="3200400"/>
+            <a:ext cx="1630767" cy="369332"/>
+          </a:xfrm>
+          <a:prstGeom prst="rect">
+            <a:avLst/>
+          </a:prstGeom>
+        </p:spPr>
+        <p:txBody>
+          <a:bodyPr wrap="none">
+            <a:spAutoFit/>
+          </a:bodyPr>
+          <a:lstStyle/>
+          <a:p>
+            <a:r>
+              <a:rPr lang="en-US" dirty="0" err="1" smtClean="0"/>
+              <a:t>GoGoSerialPort</a:t>
             </a:r>
             <a:endParaRPr lang="en-US" dirty="0"/>
           </a:p>
@@ -3981,286 +4409,124 @@
           </a:bodyPr>
           <a:lstStyle/>
           <a:p>
-            <a:r>
-              <a:rPr lang="en-US" dirty="0" smtClean="0"/>
-              <a:t>Java API for </a:t>
+            <a:pPr algn="l"/>
+            <a:r>
+              <a:rPr lang="en-US" dirty="0" smtClean="0"/>
+              <a:t>Current Class Summary of </a:t>
             </a:r>
             <a:r>
               <a:rPr lang="en-US" dirty="0" err="1" smtClean="0"/>
-              <a:t>GoGo</a:t>
-            </a:r>
-            <a:r>
-              <a:rPr lang="en-US" dirty="0" smtClean="0"/>
-              <a:t> Board</a:t>
+              <a:t>gogolib</a:t>
             </a:r>
             <a:endParaRPr lang="en-US" dirty="0"/>
           </a:p>
         </p:txBody>
       </p:sp>
-      <p:pic>
-        <p:nvPicPr>
-          <p:cNvPr id="2049" name="Picture 1"/>
-          <p:cNvPicPr>
-            <a:picLocks noChangeAspect="1" noChangeArrowheads="1"/>
-          </p:cNvPicPr>
-          <p:nvPr/>
-        </p:nvPicPr>
-        <p:blipFill>
-          <a:blip r:embed="rId2" cstate="print"/>
-          <a:srcRect/>
-          <a:stretch>
-            <a:fillRect/>
-          </a:stretch>
-        </p:blipFill>
-        <p:spPr bwMode="auto">
-          <a:xfrm>
-            <a:off x="838200" y="1981200"/>
-            <a:ext cx="2562225" cy="1600200"/>
-          </a:xfrm>
-          <a:prstGeom prst="rect">
-            <a:avLst/>
-          </a:prstGeom>
-          <a:noFill/>
-          <a:ln w="9525">
-            <a:noFill/>
-            <a:miter lim="800000"/>
-            <a:headEnd/>
-            <a:tailEnd/>
-          </a:ln>
-        </p:spPr>
-      </p:pic>
-      <p:pic>
-        <p:nvPicPr>
-          <p:cNvPr id="1026" name="Picture 2" descr="C:\Documents and Settings\xiong\바탕 화면\GoGo%20Monitor%203.4.4\Gogo-splash-screen.jpg"/>
-          <p:cNvPicPr>
-            <a:picLocks noChangeAspect="1" noChangeArrowheads="1"/>
-          </p:cNvPicPr>
-          <p:nvPr/>
-        </p:nvPicPr>
-        <p:blipFill>
-          <a:blip r:embed="rId3" cstate="print"/>
-          <a:srcRect/>
-          <a:stretch>
-            <a:fillRect/>
-          </a:stretch>
-        </p:blipFill>
-        <p:spPr bwMode="auto">
-          <a:xfrm>
-            <a:off x="5486400" y="1143000"/>
-            <a:ext cx="2925763" cy="2597150"/>
-          </a:xfrm>
-          <a:prstGeom prst="rect">
-            <a:avLst/>
-          </a:prstGeom>
-          <a:noFill/>
-        </p:spPr>
-      </p:pic>
-      <p:sp>
-        <p:nvSpPr>
-          <p:cNvPr id="5" name="Left-Right Arrow 4"/>
-          <p:cNvSpPr/>
-          <p:nvPr/>
-        </p:nvSpPr>
-        <p:spPr>
-          <a:xfrm>
-            <a:off x="3429000" y="2286000"/>
-            <a:ext cx="1447800" cy="533400"/>
-          </a:xfrm>
-          <a:prstGeom prst="leftRightArrow">
-            <a:avLst/>
-          </a:prstGeom>
-        </p:spPr>
-        <p:style>
-          <a:lnRef idx="0">
-            <a:schemeClr val="accent6"/>
-          </a:lnRef>
-          <a:fillRef idx="3">
-            <a:schemeClr val="accent6"/>
-          </a:fillRef>
-          <a:effectRef idx="3">
-            <a:schemeClr val="accent6"/>
-          </a:effectRef>
-          <a:fontRef idx="minor">
-            <a:schemeClr val="lt1"/>
-          </a:fontRef>
-        </p:style>
-        <p:txBody>
-          <a:bodyPr rtlCol="0" anchor="ctr"/>
-          <a:lstStyle/>
-          <a:p>
-            <a:pPr algn="ctr"/>
-            <a:endParaRPr lang="en-US"/>
-          </a:p>
-        </p:txBody>
-      </p:sp>
-      <p:pic>
-        <p:nvPicPr>
-          <p:cNvPr id="1027" name="Picture 3"/>
-          <p:cNvPicPr>
-            <a:picLocks noChangeAspect="1" noChangeArrowheads="1"/>
-          </p:cNvPicPr>
-          <p:nvPr/>
-        </p:nvPicPr>
-        <p:blipFill>
-          <a:blip r:embed="rId4" cstate="print"/>
-          <a:srcRect/>
-          <a:stretch>
-            <a:fillRect/>
-          </a:stretch>
-        </p:blipFill>
-        <p:spPr bwMode="auto">
-          <a:xfrm>
-            <a:off x="3429000" y="4114800"/>
-            <a:ext cx="1905000" cy="1662454"/>
-          </a:xfrm>
-          <a:prstGeom prst="rect">
-            <a:avLst/>
-          </a:prstGeom>
-          <a:noFill/>
-          <a:ln w="9525">
-            <a:noFill/>
-            <a:miter lim="800000"/>
-            <a:headEnd/>
-            <a:tailEnd/>
-          </a:ln>
-        </p:spPr>
-      </p:pic>
-      <p:sp>
-        <p:nvSpPr>
-          <p:cNvPr id="7" name="Left-Right Arrow 6"/>
-          <p:cNvSpPr/>
-          <p:nvPr/>
-        </p:nvSpPr>
-        <p:spPr>
-          <a:xfrm rot="1951363">
-            <a:off x="1782463" y="3852568"/>
-            <a:ext cx="1447800" cy="533400"/>
-          </a:xfrm>
-          <a:prstGeom prst="leftRightArrow">
-            <a:avLst/>
-          </a:prstGeom>
-        </p:spPr>
-        <p:style>
-          <a:lnRef idx="0">
-            <a:schemeClr val="accent4"/>
-          </a:lnRef>
-          <a:fillRef idx="3">
-            <a:schemeClr val="accent4"/>
-          </a:fillRef>
-          <a:effectRef idx="3">
-            <a:schemeClr val="accent4"/>
-          </a:effectRef>
-          <a:fontRef idx="minor">
-            <a:schemeClr val="lt1"/>
-          </a:fontRef>
-        </p:style>
-        <p:txBody>
-          <a:bodyPr rtlCol="0" anchor="ctr"/>
-          <a:lstStyle/>
-          <a:p>
-            <a:pPr algn="ctr"/>
-            <a:endParaRPr lang="en-US"/>
-          </a:p>
-        </p:txBody>
-      </p:sp>
-      <p:sp>
-        <p:nvSpPr>
-          <p:cNvPr id="8" name="Left-Right Arrow 7"/>
-          <p:cNvSpPr/>
-          <p:nvPr/>
-        </p:nvSpPr>
-        <p:spPr>
-          <a:xfrm rot="18871413">
-            <a:off x="5536446" y="4094024"/>
-            <a:ext cx="1447800" cy="533400"/>
-          </a:xfrm>
-          <a:prstGeom prst="leftRightArrow">
-            <a:avLst/>
-          </a:prstGeom>
-        </p:spPr>
-        <p:style>
-          <a:lnRef idx="0">
-            <a:schemeClr val="accent4"/>
-          </a:lnRef>
-          <a:fillRef idx="3">
-            <a:schemeClr val="accent4"/>
-          </a:fillRef>
-          <a:effectRef idx="3">
-            <a:schemeClr val="accent4"/>
-          </a:effectRef>
-          <a:fontRef idx="minor">
-            <a:schemeClr val="lt1"/>
-          </a:fontRef>
-        </p:style>
-        <p:txBody>
-          <a:bodyPr rtlCol="0" anchor="ctr"/>
-          <a:lstStyle/>
-          <a:p>
-            <a:pPr algn="ctr"/>
-            <a:endParaRPr lang="en-US"/>
-          </a:p>
-        </p:txBody>
-      </p:sp>
-      <p:cxnSp>
-        <p:nvCxnSpPr>
-          <p:cNvPr id="10" name="Straight Connector 9"/>
-          <p:cNvCxnSpPr/>
-          <p:nvPr/>
-        </p:nvCxnSpPr>
-        <p:spPr>
-          <a:xfrm rot="16200000" flipH="1">
-            <a:off x="3429000" y="2133600"/>
-            <a:ext cx="1447800" cy="838200"/>
-          </a:xfrm>
-          <a:prstGeom prst="line">
-            <a:avLst/>
-          </a:prstGeom>
-        </p:spPr>
-        <p:style>
-          <a:lnRef idx="3">
-            <a:schemeClr val="accent2"/>
-          </a:lnRef>
-          <a:fillRef idx="0">
-            <a:schemeClr val="accent2"/>
-          </a:fillRef>
-          <a:effectRef idx="2">
-            <a:schemeClr val="accent2"/>
-          </a:effectRef>
-          <a:fontRef idx="minor">
-            <a:schemeClr val="tx1"/>
-          </a:fontRef>
-        </p:style>
-      </p:cxnSp>
-      <p:cxnSp>
-        <p:nvCxnSpPr>
-          <p:cNvPr id="12" name="Straight Connector 11"/>
-          <p:cNvCxnSpPr/>
-          <p:nvPr/>
-        </p:nvCxnSpPr>
-        <p:spPr>
-          <a:xfrm rot="5400000">
-            <a:off x="3467100" y="2095500"/>
-            <a:ext cx="1295400" cy="914400"/>
-          </a:xfrm>
-          <a:prstGeom prst="line">
-            <a:avLst/>
-          </a:prstGeom>
-        </p:spPr>
-        <p:style>
-          <a:lnRef idx="3">
-            <a:schemeClr val="accent2"/>
-          </a:lnRef>
-          <a:fillRef idx="0">
-            <a:schemeClr val="accent2"/>
-          </a:fillRef>
-          <a:effectRef idx="2">
-            <a:schemeClr val="accent2"/>
-          </a:effectRef>
-          <a:fontRef idx="minor">
-            <a:schemeClr val="tx1"/>
-          </a:fontRef>
-        </p:style>
-      </p:cxnSp>
+      <p:sp>
+        <p:nvSpPr>
+          <p:cNvPr id="3" name="Content Placeholder 2"/>
+          <p:cNvSpPr>
+            <a:spLocks noGrp="1"/>
+          </p:cNvSpPr>
+          <p:nvPr>
+            <p:ph idx="1"/>
+          </p:nvPr>
+        </p:nvSpPr>
+        <p:spPr/>
+        <p:txBody>
+          <a:bodyPr>
+            <a:normAutofit fontScale="77500" lnSpcReduction="20000"/>
+          </a:bodyPr>
+          <a:lstStyle/>
+          <a:p>
+            <a:r>
+              <a:rPr lang="en-US" b="1" dirty="0" err="1" smtClean="0">
+                <a:hlinkClick r:id="rId2" tooltip="class in kr.ac.scnu.cn.gogolib"/>
+              </a:rPr>
+              <a:t>GoGoClient</a:t>
+            </a:r>
+            <a:endParaRPr lang="en-US" dirty="0" smtClean="0"/>
+          </a:p>
+          <a:p>
+            <a:pPr lvl="1"/>
+            <a:r>
+              <a:rPr lang="en-US" dirty="0" smtClean="0"/>
+              <a:t>class to communicate with one GoGo Server embedded in GoGo Monitor</a:t>
+            </a:r>
+          </a:p>
+          <a:p>
+            <a:r>
+              <a:rPr lang="en-US" b="1" dirty="0" err="1" smtClean="0">
+                <a:hlinkClick r:id="rId3" tooltip="class in kr.ac.scnu.cn.gogolib"/>
+              </a:rPr>
+              <a:t>GoGoSessionManager</a:t>
+            </a:r>
+            <a:endParaRPr lang="en-US" dirty="0" smtClean="0"/>
+          </a:p>
+          <a:p>
+            <a:pPr lvl="1"/>
+            <a:r>
+              <a:rPr lang="en-US" dirty="0" smtClean="0"/>
+              <a:t>class to manage multiple connections to GoGo Server</a:t>
+            </a:r>
+          </a:p>
+          <a:p>
+            <a:pPr lvl="1"/>
+            <a:endParaRPr lang="en-US" dirty="0" smtClean="0"/>
+          </a:p>
+          <a:p>
+            <a:r>
+              <a:rPr lang="en-US" b="1" dirty="0" err="1" smtClean="0">
+                <a:hlinkClick r:id="rId4" tooltip="class in kr.ac.scnu.cn.gogolib"/>
+              </a:rPr>
+              <a:t>GoGoSerialPort</a:t>
+            </a:r>
+            <a:endParaRPr lang="en-US" dirty="0" smtClean="0"/>
+          </a:p>
+          <a:p>
+            <a:pPr lvl="1"/>
+            <a:r>
+              <a:rPr lang="en-US" dirty="0" smtClean="0"/>
+              <a:t>class to work with local connected GoGo Board</a:t>
+            </a:r>
+          </a:p>
+          <a:p>
+            <a:r>
+              <a:rPr lang="en-US" b="1" dirty="0" err="1" smtClean="0">
+                <a:hlinkClick r:id="rId5" tooltip="class in kr.ac.scnu.cn.gogolib"/>
+              </a:rPr>
+              <a:t>GoGoConsole</a:t>
+            </a:r>
+            <a:endParaRPr lang="en-US" dirty="0" smtClean="0"/>
+          </a:p>
+          <a:p>
+            <a:pPr lvl="1"/>
+            <a:r>
+              <a:rPr lang="en-US" dirty="0" smtClean="0"/>
+              <a:t>a Command-Line application to manipulate local connected GoGo Board</a:t>
+            </a:r>
+          </a:p>
+          <a:p>
+            <a:r>
+              <a:rPr lang="en-US" b="1" dirty="0" err="1" smtClean="0">
+                <a:hlinkClick r:id="rId6" tooltip="class in kr.ac.scnu.cn.gogolib"/>
+              </a:rPr>
+              <a:t>GoGoMonitor</a:t>
+            </a:r>
+            <a:endParaRPr lang="en-US" dirty="0" smtClean="0"/>
+          </a:p>
+          <a:p>
+            <a:pPr lvl="1"/>
+            <a:r>
+              <a:rPr lang="en-US" dirty="0" smtClean="0"/>
+              <a:t>a GUI application to manipulate local connected GoGo Board</a:t>
+            </a:r>
+          </a:p>
+          <a:p>
+            <a:endParaRPr lang="en-US" dirty="0"/>
+          </a:p>
+        </p:txBody>
+      </p:sp>
     </p:spTree>
   </p:cSld>
   <p:clrMapOvr>
@@ -4301,9 +4567,14 @@
           <a:bodyPr/>
           <a:lstStyle/>
           <a:p>
-            <a:r>
-              <a:rPr lang="en-US" dirty="0" smtClean="0"/>
-              <a:t>Beep.java</a:t>
+            <a:pPr algn="l"/>
+            <a:r>
+              <a:rPr lang="en-US" dirty="0" err="1" smtClean="0"/>
+              <a:t>GoGoClient</a:t>
+            </a:r>
+            <a:r>
+              <a:rPr lang="en-US" dirty="0" smtClean="0"/>
+              <a:t> Class</a:t>
             </a:r>
             <a:endParaRPr lang="en-US" dirty="0"/>
           </a:p>
@@ -4311,7 +4582,7 @@
       </p:sp>
       <p:sp>
         <p:nvSpPr>
-          <p:cNvPr id="4" name="Content Placeholder 3"/>
+          <p:cNvPr id="3" name="Content Placeholder 2"/>
           <p:cNvSpPr>
             <a:spLocks noGrp="1"/>
           </p:cNvSpPr>
@@ -4321,217 +4592,120 @@
         </p:nvSpPr>
         <p:spPr/>
         <p:txBody>
-          <a:bodyPr>
-            <a:normAutofit fontScale="62500" lnSpcReduction="20000"/>
-          </a:bodyPr>
-          <a:lstStyle/>
-          <a:p>
-            <a:r>
-              <a:rPr lang="en-US" dirty="0" smtClean="0"/>
-              <a:t>import </a:t>
+          <a:bodyPr/>
+          <a:lstStyle/>
+          <a:p>
+            <a:r>
+              <a:rPr lang="en-US" dirty="0" smtClean="0"/>
+              <a:t>Class to work with a remote </a:t>
             </a:r>
             <a:r>
               <a:rPr lang="en-US" dirty="0" err="1" smtClean="0"/>
-              <a:t>kr.ac.scnu.cn.gogolib.GoGoClient</a:t>
-            </a:r>
-            <a:r>
-              <a:rPr lang="en-US" dirty="0" smtClean="0"/>
-              <a:t>;</a:t>
-            </a:r>
-          </a:p>
-          <a:p>
-            <a:endParaRPr lang="en-US" dirty="0" smtClean="0"/>
-          </a:p>
-          <a:p>
-            <a:r>
-              <a:rPr lang="en-US" dirty="0" smtClean="0"/>
-              <a:t>public class Beep</a:t>
-            </a:r>
-          </a:p>
-          <a:p>
-            <a:r>
-              <a:rPr lang="en-US" dirty="0" smtClean="0"/>
-              <a:t>{</a:t>
-            </a:r>
-          </a:p>
-          <a:p>
-            <a:r>
-              <a:rPr lang="en-US" dirty="0" smtClean="0"/>
-              <a:t>    public static void main(String[] </a:t>
-            </a:r>
-            <a:r>
-              <a:rPr lang="en-US" dirty="0" err="1" smtClean="0"/>
-              <a:t>argv</a:t>
-            </a:r>
-            <a:r>
-              <a:rPr lang="en-US" dirty="0" smtClean="0"/>
-              <a:t>)throws Exception{</a:t>
-            </a:r>
-          </a:p>
-          <a:p>
-            <a:r>
-              <a:rPr lang="en-US" dirty="0" smtClean="0"/>
-              <a:t>        // connect to local running GoGo Monitor        </a:t>
-            </a:r>
-          </a:p>
-          <a:p>
-            <a:r>
-              <a:rPr lang="en-US" dirty="0" smtClean="0"/>
-              <a:t>        </a:t>
-            </a:r>
-            <a:r>
-              <a:rPr lang="en-US" dirty="0" err="1" smtClean="0">
-                <a:solidFill>
-                  <a:srgbClr val="FF0000"/>
-                </a:solidFill>
-              </a:rPr>
-              <a:t>GoGoClient</a:t>
-            </a:r>
-            <a:r>
-              <a:rPr lang="en-US" dirty="0" smtClean="0">
-                <a:solidFill>
-                  <a:srgbClr val="FF0000"/>
-                </a:solidFill>
-              </a:rPr>
-              <a:t> </a:t>
-            </a:r>
-            <a:r>
-              <a:rPr lang="en-US" dirty="0" err="1" smtClean="0">
-                <a:solidFill>
-                  <a:srgbClr val="FF0000"/>
-                </a:solidFill>
-              </a:rPr>
-              <a:t>ggClient</a:t>
-            </a:r>
-            <a:r>
-              <a:rPr lang="en-US" dirty="0" smtClean="0">
-                <a:solidFill>
-                  <a:srgbClr val="FF0000"/>
-                </a:solidFill>
-              </a:rPr>
-              <a:t> = new </a:t>
-            </a:r>
-            <a:r>
-              <a:rPr lang="en-US" dirty="0" err="1" smtClean="0">
-                <a:solidFill>
-                  <a:srgbClr val="FF0000"/>
-                </a:solidFill>
-              </a:rPr>
-              <a:t>GoGoClient</a:t>
-            </a:r>
-            <a:r>
-              <a:rPr lang="en-US" dirty="0" smtClean="0">
-                <a:solidFill>
-                  <a:srgbClr val="FF0000"/>
-                </a:solidFill>
-              </a:rPr>
-              <a:t>("</a:t>
-            </a:r>
-            <a:r>
-              <a:rPr lang="en-US" dirty="0" err="1" smtClean="0">
-                <a:solidFill>
-                  <a:srgbClr val="FF0000"/>
-                </a:solidFill>
-              </a:rPr>
-              <a:t>localhost</a:t>
-            </a:r>
-            <a:r>
-              <a:rPr lang="en-US" dirty="0" smtClean="0">
-                <a:solidFill>
-                  <a:srgbClr val="FF0000"/>
-                </a:solidFill>
-              </a:rPr>
-              <a:t>", 9873);</a:t>
-            </a:r>
-          </a:p>
-          <a:p>
-            <a:r>
-              <a:rPr lang="en-US" dirty="0" smtClean="0"/>
-              <a:t>                </a:t>
-            </a:r>
-          </a:p>
-          <a:p>
-            <a:r>
-              <a:rPr lang="en-US" dirty="0" smtClean="0">
-                <a:solidFill>
-                  <a:srgbClr val="FF0000"/>
-                </a:solidFill>
-              </a:rPr>
-              <a:t>        </a:t>
-            </a:r>
-            <a:r>
-              <a:rPr lang="en-US" dirty="0" err="1" smtClean="0">
-                <a:solidFill>
-                  <a:srgbClr val="FF0000"/>
-                </a:solidFill>
-              </a:rPr>
-              <a:t>ggClient.beep</a:t>
-            </a:r>
-            <a:r>
-              <a:rPr lang="en-US" dirty="0" smtClean="0">
-                <a:solidFill>
-                  <a:srgbClr val="FF0000"/>
-                </a:solidFill>
-              </a:rPr>
-              <a:t>();</a:t>
-            </a:r>
-          </a:p>
-          <a:p>
-            <a:r>
-              <a:rPr lang="en-US" dirty="0" smtClean="0"/>
-              <a:t>        </a:t>
-            </a:r>
-            <a:r>
-              <a:rPr lang="en-US" dirty="0" err="1" smtClean="0"/>
-              <a:t>System.out.println</a:t>
-            </a:r>
-            <a:r>
-              <a:rPr lang="en-US" dirty="0" smtClean="0"/>
-              <a:t>(</a:t>
-            </a:r>
-            <a:r>
-              <a:rPr lang="en-US" dirty="0" err="1" smtClean="0"/>
-              <a:t>ggClient.receive</a:t>
-            </a:r>
-            <a:r>
-              <a:rPr lang="en-US" dirty="0" smtClean="0"/>
-              <a:t>());</a:t>
-            </a:r>
-          </a:p>
-          <a:p>
-            <a:r>
-              <a:rPr lang="en-US" dirty="0" smtClean="0"/>
-              <a:t>        </a:t>
-            </a:r>
-          </a:p>
-          <a:p>
-            <a:r>
-              <a:rPr lang="en-US" dirty="0" smtClean="0"/>
-              <a:t>        </a:t>
-            </a:r>
-            <a:r>
-              <a:rPr lang="en-US" dirty="0" err="1" smtClean="0"/>
-              <a:t>ggClient.close</a:t>
-            </a:r>
-            <a:r>
-              <a:rPr lang="en-US" dirty="0" smtClean="0"/>
-              <a:t>();</a:t>
-            </a:r>
-          </a:p>
-          <a:p>
-            <a:r>
-              <a:rPr lang="en-US" dirty="0" smtClean="0"/>
-              <a:t>    }</a:t>
-            </a:r>
-          </a:p>
-          <a:p>
-            <a:r>
-              <a:rPr lang="en-US" dirty="0" smtClean="0"/>
-              <a:t>}</a:t>
-            </a:r>
-          </a:p>
-          <a:p>
+              <a:t>GoGoServer</a:t>
+            </a:r>
             <a:endParaRPr lang="en-US" dirty="0"/>
+          </a:p>
+        </p:txBody>
+      </p:sp>
+      <p:pic>
+        <p:nvPicPr>
+          <p:cNvPr id="4" name="Picture 1"/>
+          <p:cNvPicPr>
+            <a:picLocks noChangeAspect="1" noChangeArrowheads="1"/>
+          </p:cNvPicPr>
+          <p:nvPr/>
+        </p:nvPicPr>
+        <p:blipFill>
+          <a:blip r:embed="rId2" cstate="print"/>
+          <a:srcRect/>
+          <a:stretch>
+            <a:fillRect/>
+          </a:stretch>
+        </p:blipFill>
+        <p:spPr bwMode="auto">
+          <a:xfrm>
+            <a:off x="1447800" y="2590800"/>
+            <a:ext cx="2562225" cy="1600200"/>
+          </a:xfrm>
+          <a:prstGeom prst="rect">
+            <a:avLst/>
+          </a:prstGeom>
+          <a:noFill/>
+          <a:ln w="9525">
+            <a:noFill/>
+            <a:miter lim="800000"/>
+            <a:headEnd/>
+            <a:tailEnd/>
+          </a:ln>
+        </p:spPr>
+      </p:pic>
+      <p:pic>
+        <p:nvPicPr>
+          <p:cNvPr id="5" name="Picture 3"/>
+          <p:cNvPicPr>
+            <a:picLocks noChangeAspect="1" noChangeArrowheads="1"/>
+          </p:cNvPicPr>
+          <p:nvPr/>
+        </p:nvPicPr>
+        <p:blipFill>
+          <a:blip r:embed="rId3" cstate="print"/>
+          <a:srcRect/>
+          <a:stretch>
+            <a:fillRect/>
+          </a:stretch>
+        </p:blipFill>
+        <p:spPr bwMode="auto">
+          <a:xfrm>
+            <a:off x="5638800" y="2590800"/>
+            <a:ext cx="1905000" cy="1662454"/>
+          </a:xfrm>
+          <a:prstGeom prst="rect">
+            <a:avLst/>
+          </a:prstGeom>
+          <a:noFill/>
+          <a:ln w="9525">
+            <a:noFill/>
+            <a:miter lim="800000"/>
+            <a:headEnd/>
+            <a:tailEnd/>
+          </a:ln>
+        </p:spPr>
+      </p:pic>
+      <p:sp>
+        <p:nvSpPr>
+          <p:cNvPr id="6" name="Left-Right Arrow 5"/>
+          <p:cNvSpPr/>
+          <p:nvPr/>
+        </p:nvSpPr>
+        <p:spPr>
+          <a:xfrm>
+            <a:off x="4038600" y="3200400"/>
+            <a:ext cx="1447800" cy="533400"/>
+          </a:xfrm>
+          <a:prstGeom prst="leftRightArrow">
+            <a:avLst/>
+          </a:prstGeom>
+        </p:spPr>
+        <p:style>
+          <a:lnRef idx="0">
+            <a:schemeClr val="accent4"/>
+          </a:lnRef>
+          <a:fillRef idx="3">
+            <a:schemeClr val="accent4"/>
+          </a:fillRef>
+          <a:effectRef idx="3">
+            <a:schemeClr val="accent4"/>
+          </a:effectRef>
+          <a:fontRef idx="minor">
+            <a:schemeClr val="lt1"/>
+          </a:fontRef>
+        </p:style>
+        <p:txBody>
+          <a:bodyPr rtlCol="0" anchor="ctr"/>
+          <a:lstStyle/>
+          <a:p>
+            <a:pPr algn="ctr"/>
+            <a:endParaRPr lang="en-US"/>
           </a:p>
         </p:txBody>
       </p:sp>
@@ -4575,9 +4749,10 @@
           <a:bodyPr/>
           <a:lstStyle/>
           <a:p>
-            <a:r>
-              <a:rPr lang="en-US" dirty="0" smtClean="0"/>
-              <a:t>LedController.java</a:t>
+            <a:pPr algn="l"/>
+            <a:r>
+              <a:rPr lang="en-US" dirty="0" smtClean="0"/>
+              <a:t>Example1  Beep.java</a:t>
             </a:r>
             <a:endParaRPr lang="en-US" dirty="0"/>
           </a:p>
@@ -4596,7 +4771,7 @@
         <p:spPr/>
         <p:txBody>
           <a:bodyPr>
-            <a:normAutofit fontScale="47500" lnSpcReduction="20000"/>
+            <a:normAutofit fontScale="62500" lnSpcReduction="20000"/>
           </a:bodyPr>
           <a:lstStyle/>
           <a:p>
@@ -4619,13 +4794,8 @@
           <a:p>
             <a:r>
               <a:rPr lang="en-US" dirty="0" smtClean="0"/>
-              <a:t>public class </a:t>
-            </a:r>
-            <a:r>
-              <a:rPr lang="en-US" dirty="0" err="1" smtClean="0"/>
-              <a:t>LedController</a:t>
-            </a:r>
-            <a:endParaRPr lang="en-US" dirty="0" smtClean="0"/>
+              <a:t>public class Beep</a:t>
+            </a:r>
           </a:p>
           <a:p>
             <a:r>
@@ -4651,6 +4821,82 @@
             <a:r>
               <a:rPr lang="en-US" dirty="0" smtClean="0"/>
               <a:t>        // connect to local running GoGo Monitor        </a:t>
+            </a:r>
+          </a:p>
+          <a:p>
+            <a:r>
+              <a:rPr lang="en-US" dirty="0" smtClean="0"/>
+              <a:t>        </a:t>
+            </a:r>
+            <a:r>
+              <a:rPr lang="en-US" dirty="0" err="1" smtClean="0">
+                <a:solidFill>
+                  <a:srgbClr val="FF0000"/>
+                </a:solidFill>
+              </a:rPr>
+              <a:t>GoGoClient</a:t>
+            </a:r>
+            <a:r>
+              <a:rPr lang="en-US" dirty="0" smtClean="0">
+                <a:solidFill>
+                  <a:srgbClr val="FF0000"/>
+                </a:solidFill>
+              </a:rPr>
+              <a:t> </a:t>
+            </a:r>
+            <a:r>
+              <a:rPr lang="en-US" dirty="0" err="1" smtClean="0">
+                <a:solidFill>
+                  <a:srgbClr val="FF0000"/>
+                </a:solidFill>
+              </a:rPr>
+              <a:t>ggClient</a:t>
+            </a:r>
+            <a:r>
+              <a:rPr lang="en-US" dirty="0" smtClean="0">
+                <a:solidFill>
+                  <a:srgbClr val="FF0000"/>
+                </a:solidFill>
+              </a:rPr>
+              <a:t> = new </a:t>
+            </a:r>
+            <a:r>
+              <a:rPr lang="en-US" dirty="0" err="1" smtClean="0">
+                <a:solidFill>
+                  <a:srgbClr val="FF0000"/>
+                </a:solidFill>
+              </a:rPr>
+              <a:t>GoGoClient</a:t>
+            </a:r>
+            <a:r>
+              <a:rPr lang="en-US" dirty="0" smtClean="0">
+                <a:solidFill>
+                  <a:srgbClr val="FF0000"/>
+                </a:solidFill>
+              </a:rPr>
+              <a:t>("</a:t>
+            </a:r>
+            <a:r>
+              <a:rPr lang="en-US" dirty="0" err="1" smtClean="0">
+                <a:solidFill>
+                  <a:srgbClr val="FF0000"/>
+                </a:solidFill>
+              </a:rPr>
+              <a:t>localhost</a:t>
+            </a:r>
+            <a:r>
+              <a:rPr lang="en-US" dirty="0" smtClean="0">
+                <a:solidFill>
+                  <a:srgbClr val="FF0000"/>
+                </a:solidFill>
+              </a:rPr>
+              <a:t>", 9873);</a:t>
+            </a:r>
+          </a:p>
+          <a:p>
+            <a:r>
+              <a:rPr lang="en-US" dirty="0" smtClean="0"/>
+              <a:t>                </a:t>
             </a:r>
           </a:p>
           <a:p>
@@ -4668,6 +4914,210 @@
                   <a:srgbClr val="FF0000"/>
                 </a:solidFill>
               </a:rPr>
+              <a:t>ggClient.beep</a:t>
+            </a:r>
+            <a:r>
+              <a:rPr lang="en-US" dirty="0" smtClean="0">
+                <a:solidFill>
+                  <a:srgbClr val="FF0000"/>
+                </a:solidFill>
+              </a:rPr>
+              <a:t>();</a:t>
+            </a:r>
+          </a:p>
+          <a:p>
+            <a:r>
+              <a:rPr lang="en-US" dirty="0" smtClean="0"/>
+              <a:t>        </a:t>
+            </a:r>
+            <a:r>
+              <a:rPr lang="en-US" dirty="0" err="1" smtClean="0"/>
+              <a:t>System.out.println</a:t>
+            </a:r>
+            <a:r>
+              <a:rPr lang="en-US" dirty="0" smtClean="0"/>
+              <a:t>(</a:t>
+            </a:r>
+            <a:r>
+              <a:rPr lang="en-US" dirty="0" err="1" smtClean="0"/>
+              <a:t>ggClient.receive</a:t>
+            </a:r>
+            <a:r>
+              <a:rPr lang="en-US" dirty="0" smtClean="0"/>
+              <a:t>());</a:t>
+            </a:r>
+          </a:p>
+          <a:p>
+            <a:r>
+              <a:rPr lang="en-US" dirty="0" smtClean="0"/>
+              <a:t>        </a:t>
+            </a:r>
+          </a:p>
+          <a:p>
+            <a:r>
+              <a:rPr lang="en-US" dirty="0" smtClean="0"/>
+              <a:t>        </a:t>
+            </a:r>
+            <a:r>
+              <a:rPr lang="en-US" dirty="0" err="1" smtClean="0"/>
+              <a:t>ggClient.close</a:t>
+            </a:r>
+            <a:r>
+              <a:rPr lang="en-US" dirty="0" smtClean="0"/>
+              <a:t>();</a:t>
+            </a:r>
+          </a:p>
+          <a:p>
+            <a:r>
+              <a:rPr lang="en-US" dirty="0" smtClean="0"/>
+              <a:t>    }</a:t>
+            </a:r>
+          </a:p>
+          <a:p>
+            <a:r>
+              <a:rPr lang="en-US" dirty="0" smtClean="0"/>
+              <a:t>}</a:t>
+            </a:r>
+          </a:p>
+          <a:p>
+            <a:endParaRPr lang="en-US" dirty="0"/>
+          </a:p>
+        </p:txBody>
+      </p:sp>
+    </p:spTree>
+  </p:cSld>
+  <p:clrMapOvr>
+    <a:masterClrMapping/>
+  </p:clrMapOvr>
+</p:sld>
+</file>
+
+<file path=ppt/slides/slide8.xml><?xml version="1.0" encoding="utf-8"?>
+<p:sld xmlns:a="http://schemas.openxmlformats.org/drawingml/2006/main" xmlns:r="http://schemas.openxmlformats.org/officeDocument/2006/relationships" xmlns:p="http://schemas.openxmlformats.org/presentationml/2006/main">
+  <p:cSld>
+    <p:spTree>
+      <p:nvGrpSpPr>
+        <p:cNvPr id="1" name=""/>
+        <p:cNvGrpSpPr/>
+        <p:nvPr/>
+      </p:nvGrpSpPr>
+      <p:grpSpPr>
+        <a:xfrm>
+          <a:off x="0" y="0"/>
+          <a:ext cx="0" cy="0"/>
+          <a:chOff x="0" y="0"/>
+          <a:chExt cx="0" cy="0"/>
+        </a:xfrm>
+      </p:grpSpPr>
+      <p:sp>
+        <p:nvSpPr>
+          <p:cNvPr id="2" name="Title 1"/>
+          <p:cNvSpPr>
+            <a:spLocks noGrp="1"/>
+          </p:cNvSpPr>
+          <p:nvPr>
+            <p:ph type="title"/>
+          </p:nvPr>
+        </p:nvSpPr>
+        <p:spPr/>
+        <p:txBody>
+          <a:bodyPr/>
+          <a:lstStyle/>
+          <a:p>
+            <a:pPr algn="l"/>
+            <a:r>
+              <a:rPr lang="en-US" dirty="0" smtClean="0"/>
+              <a:t>Example2 LedController.java</a:t>
+            </a:r>
+            <a:endParaRPr lang="en-US" dirty="0"/>
+          </a:p>
+        </p:txBody>
+      </p:sp>
+      <p:sp>
+        <p:nvSpPr>
+          <p:cNvPr id="4" name="Content Placeholder 3"/>
+          <p:cNvSpPr>
+            <a:spLocks noGrp="1"/>
+          </p:cNvSpPr>
+          <p:nvPr>
+            <p:ph idx="1"/>
+          </p:nvPr>
+        </p:nvSpPr>
+        <p:spPr/>
+        <p:txBody>
+          <a:bodyPr>
+            <a:normAutofit fontScale="47500" lnSpcReduction="20000"/>
+          </a:bodyPr>
+          <a:lstStyle/>
+          <a:p>
+            <a:r>
+              <a:rPr lang="en-US" dirty="0" smtClean="0"/>
+              <a:t>import </a:t>
+            </a:r>
+            <a:r>
+              <a:rPr lang="en-US" dirty="0" err="1" smtClean="0"/>
+              <a:t>kr.ac.scnu.cn.gogolib.GoGoClient</a:t>
+            </a:r>
+            <a:r>
+              <a:rPr lang="en-US" dirty="0" smtClean="0"/>
+              <a:t>;</a:t>
+            </a:r>
+          </a:p>
+          <a:p>
+            <a:endParaRPr lang="en-US" dirty="0" smtClean="0"/>
+          </a:p>
+          <a:p>
+            <a:r>
+              <a:rPr lang="en-US" dirty="0" smtClean="0"/>
+              <a:t>public class </a:t>
+            </a:r>
+            <a:r>
+              <a:rPr lang="en-US" dirty="0" err="1" smtClean="0"/>
+              <a:t>LedController</a:t>
+            </a:r>
+            <a:endParaRPr lang="en-US" dirty="0" smtClean="0"/>
+          </a:p>
+          <a:p>
+            <a:r>
+              <a:rPr lang="en-US" dirty="0" smtClean="0"/>
+              <a:t>{</a:t>
+            </a:r>
+          </a:p>
+          <a:p>
+            <a:r>
+              <a:rPr lang="en-US" dirty="0" smtClean="0"/>
+              <a:t>    public static void main(String[] </a:t>
+            </a:r>
+            <a:r>
+              <a:rPr lang="en-US" dirty="0" err="1" smtClean="0"/>
+              <a:t>argv</a:t>
+            </a:r>
+            <a:r>
+              <a:rPr lang="en-US" dirty="0" smtClean="0"/>
+              <a:t>)throws Exception{</a:t>
+            </a:r>
+          </a:p>
+          <a:p>
+            <a:r>
+              <a:rPr lang="en-US" dirty="0" smtClean="0"/>
+              <a:t>        // connect to local running GoGo Monitor        </a:t>
+            </a:r>
+          </a:p>
+          <a:p>
+            <a:r>
+              <a:rPr lang="en-US" dirty="0" smtClean="0">
+                <a:solidFill>
+                  <a:srgbClr val="FF0000"/>
+                </a:solidFill>
+              </a:rPr>
+              <a:t>        </a:t>
+            </a:r>
+            <a:r>
+              <a:rPr lang="en-US" dirty="0" err="1" smtClean="0">
+                <a:solidFill>
+                  <a:srgbClr val="FF0000"/>
+                </a:solidFill>
+              </a:rPr>
               <a:t>GoGoClient</a:t>
             </a:r>
             <a:r>
@@ -4891,6 +5341,266 @@
           </a:p>
           <a:p>
             <a:endParaRPr lang="en-US" dirty="0"/>
+          </a:p>
+        </p:txBody>
+      </p:sp>
+    </p:spTree>
+  </p:cSld>
+  <p:clrMapOvr>
+    <a:masterClrMapping/>
+  </p:clrMapOvr>
+</p:sld>
+</file>
+
+<file path=ppt/slides/slide9.xml><?xml version="1.0" encoding="utf-8"?>
+<p:sld xmlns:a="http://schemas.openxmlformats.org/drawingml/2006/main" xmlns:r="http://schemas.openxmlformats.org/officeDocument/2006/relationships" xmlns:p="http://schemas.openxmlformats.org/presentationml/2006/main">
+  <p:cSld>
+    <p:spTree>
+      <p:nvGrpSpPr>
+        <p:cNvPr id="1" name=""/>
+        <p:cNvGrpSpPr/>
+        <p:nvPr/>
+      </p:nvGrpSpPr>
+      <p:grpSpPr>
+        <a:xfrm>
+          <a:off x="0" y="0"/>
+          <a:ext cx="0" cy="0"/>
+          <a:chOff x="0" y="0"/>
+          <a:chExt cx="0" cy="0"/>
+        </a:xfrm>
+      </p:grpSpPr>
+      <p:sp>
+        <p:nvSpPr>
+          <p:cNvPr id="2" name="Title 1"/>
+          <p:cNvSpPr>
+            <a:spLocks noGrp="1"/>
+          </p:cNvSpPr>
+          <p:nvPr>
+            <p:ph type="title"/>
+          </p:nvPr>
+        </p:nvSpPr>
+        <p:spPr/>
+        <p:txBody>
+          <a:bodyPr/>
+          <a:lstStyle/>
+          <a:p>
+            <a:pPr algn="l"/>
+            <a:r>
+              <a:rPr lang="en-US" dirty="0" err="1" smtClean="0"/>
+              <a:t>GoGoSerialPort</a:t>
+            </a:r>
+            <a:r>
+              <a:rPr lang="en-US" dirty="0" smtClean="0"/>
+              <a:t> Class</a:t>
+            </a:r>
+            <a:endParaRPr lang="en-US" dirty="0"/>
+          </a:p>
+        </p:txBody>
+      </p:sp>
+      <p:sp>
+        <p:nvSpPr>
+          <p:cNvPr id="3" name="Content Placeholder 2"/>
+          <p:cNvSpPr>
+            <a:spLocks noGrp="1"/>
+          </p:cNvSpPr>
+          <p:nvPr>
+            <p:ph idx="1"/>
+          </p:nvPr>
+        </p:nvSpPr>
+        <p:spPr/>
+        <p:txBody>
+          <a:bodyPr/>
+          <a:lstStyle/>
+          <a:p>
+            <a:r>
+              <a:rPr lang="en-US" dirty="0" err="1" smtClean="0"/>
+              <a:t>GoGoSerialPort</a:t>
+            </a:r>
+            <a:endParaRPr lang="en-US" dirty="0" smtClean="0"/>
+          </a:p>
+        </p:txBody>
+      </p:sp>
+      <p:pic>
+        <p:nvPicPr>
+          <p:cNvPr id="4" name="Picture 1"/>
+          <p:cNvPicPr>
+            <a:picLocks noChangeAspect="1" noChangeArrowheads="1"/>
+          </p:cNvPicPr>
+          <p:nvPr/>
+        </p:nvPicPr>
+        <p:blipFill>
+          <a:blip r:embed="rId2" cstate="print"/>
+          <a:srcRect/>
+          <a:stretch>
+            <a:fillRect/>
+          </a:stretch>
+        </p:blipFill>
+        <p:spPr bwMode="auto">
+          <a:xfrm>
+            <a:off x="914400" y="3352800"/>
+            <a:ext cx="1752903" cy="1131404"/>
+          </a:xfrm>
+          <a:prstGeom prst="rect">
+            <a:avLst/>
+          </a:prstGeom>
+          <a:noFill/>
+          <a:ln w="9525">
+            <a:noFill/>
+            <a:miter lim="800000"/>
+            <a:headEnd/>
+            <a:tailEnd/>
+          </a:ln>
+        </p:spPr>
+      </p:pic>
+      <p:pic>
+        <p:nvPicPr>
+          <p:cNvPr id="5" name="Picture 2" descr="C:\Documents and Settings\xiong\바탕 화면\GoGo%20Monitor%203.4.4\Gogo-splash-screen.jpg"/>
+          <p:cNvPicPr>
+            <a:picLocks noChangeAspect="1" noChangeArrowheads="1"/>
+          </p:cNvPicPr>
+          <p:nvPr/>
+        </p:nvPicPr>
+        <p:blipFill>
+          <a:blip r:embed="rId3" cstate="print"/>
+          <a:srcRect/>
+          <a:stretch>
+            <a:fillRect/>
+          </a:stretch>
+        </p:blipFill>
+        <p:spPr bwMode="auto">
+          <a:xfrm>
+            <a:off x="5715000" y="2971800"/>
+            <a:ext cx="2001612" cy="1836287"/>
+          </a:xfrm>
+          <a:prstGeom prst="rect">
+            <a:avLst/>
+          </a:prstGeom>
+          <a:noFill/>
+        </p:spPr>
+      </p:pic>
+      <p:sp>
+        <p:nvSpPr>
+          <p:cNvPr id="7" name="TextBox 6"/>
+          <p:cNvSpPr txBox="1"/>
+          <p:nvPr/>
+        </p:nvSpPr>
+        <p:spPr>
+          <a:xfrm>
+            <a:off x="3311860" y="3948590"/>
+            <a:ext cx="2174540" cy="307777"/>
+          </a:xfrm>
+          <a:prstGeom prst="rect">
+            <a:avLst/>
+          </a:prstGeom>
+          <a:noFill/>
+        </p:spPr>
+        <p:txBody>
+          <a:bodyPr wrap="square" rtlCol="0">
+            <a:spAutoFit/>
+          </a:bodyPr>
+          <a:lstStyle/>
+          <a:p>
+            <a:r>
+              <a:rPr lang="en-US" sz="1400" dirty="0" smtClean="0"/>
+              <a:t>Serial Port </a:t>
+            </a:r>
+            <a:r>
+              <a:rPr lang="en-US" altLang="zh-CN" sz="1400" dirty="0" smtClean="0"/>
+              <a:t>Connection</a:t>
+            </a:r>
+            <a:endParaRPr lang="en-US" sz="1400" dirty="0"/>
+          </a:p>
+        </p:txBody>
+      </p:sp>
+      <p:pic>
+        <p:nvPicPr>
+          <p:cNvPr id="8" name="Picture 2" descr="http://www.paa.co.uk/img/general/serial_port_200.png"/>
+          <p:cNvPicPr>
+            <a:picLocks noChangeAspect="1" noChangeArrowheads="1"/>
+          </p:cNvPicPr>
+          <p:nvPr/>
+        </p:nvPicPr>
+        <p:blipFill>
+          <a:blip r:embed="rId4" cstate="print"/>
+          <a:srcRect/>
+          <a:stretch>
+            <a:fillRect/>
+          </a:stretch>
+        </p:blipFill>
+        <p:spPr bwMode="auto">
+          <a:xfrm>
+            <a:off x="2681790" y="4083605"/>
+            <a:ext cx="855095" cy="855095"/>
+          </a:xfrm>
+          <a:prstGeom prst="rect">
+            <a:avLst/>
+          </a:prstGeom>
+          <a:noFill/>
+        </p:spPr>
+      </p:pic>
+      <p:pic>
+        <p:nvPicPr>
+          <p:cNvPr id="9" name="Picture 2" descr="http://www.paa.co.uk/img/general/serial_port_200.png"/>
+          <p:cNvPicPr>
+            <a:picLocks noChangeAspect="1" noChangeArrowheads="1"/>
+          </p:cNvPicPr>
+          <p:nvPr/>
+        </p:nvPicPr>
+        <p:blipFill>
+          <a:blip r:embed="rId4" cstate="print"/>
+          <a:srcRect/>
+          <a:stretch>
+            <a:fillRect/>
+          </a:stretch>
+        </p:blipFill>
+        <p:spPr bwMode="auto">
+          <a:xfrm flipH="1">
+            <a:off x="4572000" y="4038600"/>
+            <a:ext cx="855095" cy="855095"/>
+          </a:xfrm>
+          <a:prstGeom prst="rect">
+            <a:avLst/>
+          </a:prstGeom>
+          <a:noFill/>
+        </p:spPr>
+      </p:pic>
+      <p:sp>
+        <p:nvSpPr>
+          <p:cNvPr id="10" name="Left-Right Arrow 9"/>
+          <p:cNvSpPr/>
+          <p:nvPr/>
+        </p:nvSpPr>
+        <p:spPr>
+          <a:xfrm>
+            <a:off x="3491880" y="4353635"/>
+            <a:ext cx="1125125" cy="225025"/>
+          </a:xfrm>
+          <a:prstGeom prst="leftRightArrow">
+            <a:avLst/>
+          </a:prstGeom>
+        </p:spPr>
+        <p:style>
+          <a:lnRef idx="2">
+            <a:schemeClr val="accent1">
+              <a:shade val="50000"/>
+            </a:schemeClr>
+          </a:lnRef>
+          <a:fillRef idx="1">
+            <a:schemeClr val="accent1"/>
+          </a:fillRef>
+          <a:effectRef idx="0">
+            <a:schemeClr val="accent1"/>
+          </a:effectRef>
+          <a:fontRef idx="minor">
+            <a:schemeClr val="lt1"/>
+          </a:fontRef>
+        </p:style>
+        <p:txBody>
+          <a:bodyPr rtlCol="0" anchor="ctr"/>
+          <a:lstStyle/>
+          <a:p>
+            <a:pPr algn="ctr"/>
+            <a:endParaRPr lang="en-US"/>
           </a:p>
         </p:txBody>
       </p:sp>
